--- a/Class Doagram.pptx
+++ b/Class Doagram.pptx
@@ -6,6 +6,10 @@
   </p:sldMasterIdLst>
   <p:sldIdLst>
     <p:sldId id="256" r:id="rId2"/>
+    <p:sldId id="257" r:id="rId3"/>
+    <p:sldId id="258" r:id="rId4"/>
+    <p:sldId id="259" r:id="rId5"/>
+    <p:sldId id="260" r:id="rId6"/>
   </p:sldIdLst>
   <p:sldSz cx="12192000" cy="6858000"/>
   <p:notesSz cx="6858000" cy="9144000"/>
@@ -104,6 +108,11 @@
       </a:defRPr>
     </a:lvl9pPr>
   </p:defaultTextStyle>
+  <p:extLst>
+    <p:ext uri="{EFAFB233-063F-42B5-8137-9DF3F51BA10A}">
+      <p15:sldGuideLst xmlns:p15="http://schemas.microsoft.com/office/powerpoint/2012/main"/>
+    </p:ext>
+  </p:extLst>
 </p:presentation>
 </file>
 
@@ -3056,6 +3065,445 @@
 </p:sld>
 </file>
 
+<file path=ppt/slides/slide2.xml><?xml version="1.0" encoding="utf-8"?>
+<p:sld xmlns:a="http://schemas.openxmlformats.org/drawingml/2006/main" xmlns:r="http://schemas.openxmlformats.org/officeDocument/2006/relationships" xmlns:p="http://schemas.openxmlformats.org/presentationml/2006/main">
+  <p:cSld>
+    <p:spTree>
+      <p:nvGrpSpPr>
+        <p:cNvPr id="1" name=""/>
+        <p:cNvGrpSpPr/>
+        <p:nvPr/>
+      </p:nvGrpSpPr>
+      <p:grpSpPr>
+        <a:xfrm>
+          <a:off x="0" y="0"/>
+          <a:ext cx="0" cy="0"/>
+          <a:chOff x="0" y="0"/>
+          <a:chExt cx="0" cy="0"/>
+        </a:xfrm>
+      </p:grpSpPr>
+      <p:pic>
+        <p:nvPicPr>
+          <p:cNvPr id="4" name="Picture 3" descr="https://documents.lucidchart.com/documents/7e305cd1-81d7-4191-87c6-9f4a87e8c278/pages/0_0?a=570&amp;x=159&amp;y=172&amp;w=462&amp;h=625&amp;store=1&amp;accept=image%2F*&amp;auth=LCA%20fcb0452e07c8c3f43a9ff50328bb565818e1ce29-ts%3D1568456565"/>
+          <p:cNvPicPr/>
+          <p:nvPr/>
+        </p:nvPicPr>
+        <p:blipFill>
+          <a:blip r:embed="rId2" cstate="print">
+            <a:extLst>
+              <a:ext uri="{28A0092B-C50C-407E-A947-70E740481C1C}">
+                <a14:useLocalDpi xmlns:a14="http://schemas.microsoft.com/office/drawing/2010/main" val="0"/>
+              </a:ext>
+            </a:extLst>
+          </a:blip>
+          <a:srcRect/>
+          <a:stretch>
+            <a:fillRect/>
+          </a:stretch>
+        </p:blipFill>
+        <p:spPr bwMode="auto">
+          <a:xfrm>
+            <a:off x="1173707" y="1433015"/>
+            <a:ext cx="2497711" cy="3821373"/>
+          </a:xfrm>
+          <a:prstGeom prst="rect">
+            <a:avLst/>
+          </a:prstGeom>
+          <a:noFill/>
+          <a:ln>
+            <a:noFill/>
+          </a:ln>
+        </p:spPr>
+      </p:pic>
+      <p:pic>
+        <p:nvPicPr>
+          <p:cNvPr id="5" name="Picture 4" descr="https://documents.lucidchart.com/documents/24bfaaa7-3f96-4e37-9655-73aa8e878f4e/pages/0_0?a=325&amp;x=461&amp;y=190&amp;w=418&amp;h=653&amp;store=1&amp;accept=image%2F*&amp;auth=LCA%20e9524270564a96277eadb610f0ae9d3104f86515-ts%3D1568451920"/>
+          <p:cNvPicPr/>
+          <p:nvPr/>
+        </p:nvPicPr>
+        <p:blipFill>
+          <a:blip r:embed="rId3">
+            <a:extLst>
+              <a:ext uri="{28A0092B-C50C-407E-A947-70E740481C1C}">
+                <a14:useLocalDpi xmlns:a14="http://schemas.microsoft.com/office/drawing/2010/main" val="0"/>
+              </a:ext>
+            </a:extLst>
+          </a:blip>
+          <a:srcRect/>
+          <a:stretch>
+            <a:fillRect/>
+          </a:stretch>
+        </p:blipFill>
+        <p:spPr bwMode="auto">
+          <a:xfrm>
+            <a:off x="4339988" y="1557338"/>
+            <a:ext cx="3548418" cy="3743325"/>
+          </a:xfrm>
+          <a:prstGeom prst="rect">
+            <a:avLst/>
+          </a:prstGeom>
+          <a:noFill/>
+          <a:ln>
+            <a:noFill/>
+          </a:ln>
+        </p:spPr>
+      </p:pic>
+      <p:pic>
+        <p:nvPicPr>
+          <p:cNvPr id="6" name="Picture 5" descr="https://documents.lucidchart.com/documents/24bfaaa7-3f96-4e37-9655-73aa8e878f4e/pages/0_0?a=335&amp;x=918&amp;y=189&amp;w=484&amp;h=682&amp;store=1&amp;accept=image%2F*&amp;auth=LCA%20de9363695c326cea3a6041fd2957db7af862ab22-ts%3D1568451920"/>
+          <p:cNvPicPr/>
+          <p:nvPr/>
+        </p:nvPicPr>
+        <p:blipFill>
+          <a:blip r:embed="rId4">
+            <a:extLst>
+              <a:ext uri="{28A0092B-C50C-407E-A947-70E740481C1C}">
+                <a14:useLocalDpi xmlns:a14="http://schemas.microsoft.com/office/drawing/2010/main" val="0"/>
+              </a:ext>
+            </a:extLst>
+          </a:blip>
+          <a:srcRect/>
+          <a:stretch>
+            <a:fillRect/>
+          </a:stretch>
+        </p:blipFill>
+        <p:spPr bwMode="auto">
+          <a:xfrm>
+            <a:off x="8120418" y="1595438"/>
+            <a:ext cx="3164726" cy="3699893"/>
+          </a:xfrm>
+          <a:prstGeom prst="rect">
+            <a:avLst/>
+          </a:prstGeom>
+          <a:noFill/>
+          <a:ln>
+            <a:noFill/>
+          </a:ln>
+        </p:spPr>
+      </p:pic>
+      <p:sp>
+        <p:nvSpPr>
+          <p:cNvPr id="7" name="Rectangle 6"/>
+          <p:cNvSpPr/>
+          <p:nvPr/>
+        </p:nvSpPr>
+        <p:spPr>
+          <a:xfrm>
+            <a:off x="4521138" y="1044319"/>
+            <a:ext cx="3546805" cy="374077"/>
+          </a:xfrm>
+          <a:prstGeom prst="rect">
+            <a:avLst/>
+          </a:prstGeom>
+        </p:spPr>
+        <p:txBody>
+          <a:bodyPr wrap="none">
+            <a:spAutoFit/>
+          </a:bodyPr>
+          <a:lstStyle/>
+          <a:p>
+            <a:pPr>
+              <a:lnSpc>
+                <a:spcPct val="107000"/>
+              </a:lnSpc>
+              <a:spcAft>
+                <a:spcPts val="800"/>
+              </a:spcAft>
+            </a:pPr>
+            <a:r>
+              <a:rPr lang="en-IN" b="1" u="sng" dirty="0" err="1" smtClean="0">
+                <a:latin typeface="Times New Roman" panose="02020603050405020304" pitchFamily="18" charset="0"/>
+                <a:ea typeface="Calibri" panose="020F0502020204030204" pitchFamily="34" charset="0"/>
+                <a:cs typeface="Times New Roman" panose="02020603050405020304" pitchFamily="18" charset="0"/>
+              </a:rPr>
+              <a:t>GreatOutdoors.DataAccessLayer</a:t>
+            </a:r>
+            <a:r>
+              <a:rPr lang="en-IN" b="1" u="sng" dirty="0">
+                <a:latin typeface="Times New Roman" panose="02020603050405020304" pitchFamily="18" charset="0"/>
+                <a:ea typeface="Calibri" panose="020F0502020204030204" pitchFamily="34" charset="0"/>
+                <a:cs typeface="Times New Roman" panose="02020603050405020304" pitchFamily="18" charset="0"/>
+              </a:rPr>
+              <a:t>:</a:t>
+            </a:r>
+            <a:endParaRPr lang="en-IN" sz="1600" dirty="0">
+              <a:effectLst/>
+              <a:latin typeface="Calibri" panose="020F0502020204030204" pitchFamily="34" charset="0"/>
+              <a:ea typeface="Calibri" panose="020F0502020204030204" pitchFamily="34" charset="0"/>
+              <a:cs typeface="Times New Roman" panose="02020603050405020304" pitchFamily="18" charset="0"/>
+            </a:endParaRPr>
+          </a:p>
+        </p:txBody>
+      </p:sp>
+    </p:spTree>
+    <p:extLst>
+      <p:ext uri="{BB962C8B-B14F-4D97-AF65-F5344CB8AC3E}">
+        <p14:creationId xmlns:p14="http://schemas.microsoft.com/office/powerpoint/2010/main" val="1700051062"/>
+      </p:ext>
+    </p:extLst>
+  </p:cSld>
+  <p:clrMapOvr>
+    <a:masterClrMapping/>
+  </p:clrMapOvr>
+</p:sld>
+</file>
+
+<file path=ppt/slides/slide3.xml><?xml version="1.0" encoding="utf-8"?>
+<p:sld xmlns:a="http://schemas.openxmlformats.org/drawingml/2006/main" xmlns:r="http://schemas.openxmlformats.org/officeDocument/2006/relationships" xmlns:p="http://schemas.openxmlformats.org/presentationml/2006/main">
+  <p:cSld>
+    <p:spTree>
+      <p:nvGrpSpPr>
+        <p:cNvPr id="1" name=""/>
+        <p:cNvGrpSpPr/>
+        <p:nvPr/>
+      </p:nvGrpSpPr>
+      <p:grpSpPr>
+        <a:xfrm>
+          <a:off x="0" y="0"/>
+          <a:ext cx="0" cy="0"/>
+          <a:chOff x="0" y="0"/>
+          <a:chExt cx="0" cy="0"/>
+        </a:xfrm>
+      </p:grpSpPr>
+      <p:pic>
+        <p:nvPicPr>
+          <p:cNvPr id="4" name="Picture 3" descr="https://documents.lucidchart.com/documents/7e305cd1-81d7-4191-87c6-9f4a87e8c278/pages/0_0?a=460&amp;x=474&amp;y=186&amp;w=570&amp;h=748&amp;store=1&amp;accept=image%2F*&amp;auth=LCA%20b06a33cf5c278ca8b9a69bb6e0c69dfddad8bf98-ts%3D1568456565"/>
+          <p:cNvPicPr/>
+          <p:nvPr/>
+        </p:nvPicPr>
+        <p:blipFill>
+          <a:blip r:embed="rId2">
+            <a:extLst>
+              <a:ext uri="{28A0092B-C50C-407E-A947-70E740481C1C}">
+                <a14:useLocalDpi xmlns:a14="http://schemas.microsoft.com/office/drawing/2010/main" val="0"/>
+              </a:ext>
+            </a:extLst>
+          </a:blip>
+          <a:srcRect/>
+          <a:stretch>
+            <a:fillRect/>
+          </a:stretch>
+        </p:blipFill>
+        <p:spPr bwMode="auto">
+          <a:xfrm>
+            <a:off x="3357350" y="2133812"/>
+            <a:ext cx="3953088" cy="3530008"/>
+          </a:xfrm>
+          <a:prstGeom prst="rect">
+            <a:avLst/>
+          </a:prstGeom>
+          <a:noFill/>
+          <a:ln>
+            <a:noFill/>
+          </a:ln>
+        </p:spPr>
+      </p:pic>
+      <p:sp>
+        <p:nvSpPr>
+          <p:cNvPr id="5" name="Rectangle 4"/>
+          <p:cNvSpPr/>
+          <p:nvPr/>
+        </p:nvSpPr>
+        <p:spPr>
+          <a:xfrm>
+            <a:off x="3254999" y="1637864"/>
+            <a:ext cx="3896259" cy="368755"/>
+          </a:xfrm>
+          <a:prstGeom prst="rect">
+            <a:avLst/>
+          </a:prstGeom>
+        </p:spPr>
+        <p:txBody>
+          <a:bodyPr wrap="none">
+            <a:spAutoFit/>
+          </a:bodyPr>
+          <a:lstStyle/>
+          <a:p>
+            <a:pPr>
+              <a:lnSpc>
+                <a:spcPct val="107000"/>
+              </a:lnSpc>
+              <a:spcAft>
+                <a:spcPts val="800"/>
+              </a:spcAft>
+            </a:pPr>
+            <a:r>
+              <a:rPr lang="en-IN" b="1" u="sng" dirty="0" err="1" smtClean="0">
+                <a:latin typeface="Times New Roman" panose="02020603050405020304" pitchFamily="18" charset="0"/>
+                <a:ea typeface="Calibri" panose="020F0502020204030204" pitchFamily="34" charset="0"/>
+                <a:cs typeface="Times New Roman" panose="02020603050405020304" pitchFamily="18" charset="0"/>
+              </a:rPr>
+              <a:t>GreatOutdoors.BusinessAccessLayer</a:t>
+            </a:r>
+            <a:r>
+              <a:rPr lang="en-IN" sz="1600" dirty="0">
+                <a:latin typeface="Calibri" panose="020F0502020204030204" pitchFamily="34" charset="0"/>
+                <a:ea typeface="Calibri" panose="020F0502020204030204" pitchFamily="34" charset="0"/>
+                <a:cs typeface="Times New Roman" panose="02020603050405020304" pitchFamily="18" charset="0"/>
+              </a:rPr>
+              <a:t>:</a:t>
+            </a:r>
+            <a:endParaRPr lang="en-IN" sz="1600" dirty="0">
+              <a:effectLst/>
+              <a:latin typeface="Calibri" panose="020F0502020204030204" pitchFamily="34" charset="0"/>
+              <a:ea typeface="Calibri" panose="020F0502020204030204" pitchFamily="34" charset="0"/>
+              <a:cs typeface="Times New Roman" panose="02020603050405020304" pitchFamily="18" charset="0"/>
+            </a:endParaRPr>
+          </a:p>
+        </p:txBody>
+      </p:sp>
+    </p:spTree>
+    <p:extLst>
+      <p:ext uri="{BB962C8B-B14F-4D97-AF65-F5344CB8AC3E}">
+        <p14:creationId xmlns:p14="http://schemas.microsoft.com/office/powerpoint/2010/main" val="569502970"/>
+      </p:ext>
+    </p:extLst>
+  </p:cSld>
+  <p:clrMapOvr>
+    <a:masterClrMapping/>
+  </p:clrMapOvr>
+</p:sld>
+</file>
+
+<file path=ppt/slides/slide4.xml><?xml version="1.0" encoding="utf-8"?>
+<p:sld xmlns:a="http://schemas.openxmlformats.org/drawingml/2006/main" xmlns:r="http://schemas.openxmlformats.org/officeDocument/2006/relationships" xmlns:p="http://schemas.openxmlformats.org/presentationml/2006/main">
+  <p:cSld>
+    <p:spTree>
+      <p:nvGrpSpPr>
+        <p:cNvPr id="1" name=""/>
+        <p:cNvGrpSpPr/>
+        <p:nvPr/>
+      </p:nvGrpSpPr>
+      <p:grpSpPr>
+        <a:xfrm>
+          <a:off x="0" y="0"/>
+          <a:ext cx="0" cy="0"/>
+          <a:chOff x="0" y="0"/>
+          <a:chExt cx="0" cy="0"/>
+        </a:xfrm>
+      </p:grpSpPr>
+      <p:pic>
+        <p:nvPicPr>
+          <p:cNvPr id="4" name="Picture 3" descr="https://documents.lucidchart.com/documents/af12140d-aed6-42ae-aab6-db1606dd6482/pages/0_0?a=378&amp;x=-24&amp;y=155&amp;w=1408&amp;h=550&amp;store=1&amp;accept=image%2F*&amp;auth=LCA%2069eec25367d31c8cb2cab3a208de30aa0f28b89d-ts%3D1568451335"/>
+          <p:cNvPicPr>
+            <a:picLocks noChangeAspect="1" noChangeArrowheads="1"/>
+          </p:cNvPicPr>
+          <p:nvPr/>
+        </p:nvPicPr>
+        <p:blipFill>
+          <a:blip r:embed="rId2">
+            <a:extLst>
+              <a:ext uri="{28A0092B-C50C-407E-A947-70E740481C1C}">
+                <a14:useLocalDpi xmlns:a14="http://schemas.microsoft.com/office/drawing/2010/main" val="0"/>
+              </a:ext>
+            </a:extLst>
+          </a:blip>
+          <a:srcRect/>
+          <a:stretch>
+            <a:fillRect/>
+          </a:stretch>
+        </p:blipFill>
+        <p:spPr bwMode="auto">
+          <a:xfrm>
+            <a:off x="1066800" y="1039616"/>
+            <a:ext cx="10058400" cy="4778767"/>
+          </a:xfrm>
+          <a:prstGeom prst="rect">
+            <a:avLst/>
+          </a:prstGeom>
+          <a:noFill/>
+          <a:extLst>
+            <a:ext uri="{909E8E84-426E-40DD-AFC4-6F175D3DCCD1}">
+              <a14:hiddenFill xmlns:a14="http://schemas.microsoft.com/office/drawing/2010/main">
+                <a:solidFill>
+                  <a:srgbClr val="FFFFFF"/>
+                </a:solidFill>
+              </a14:hiddenFill>
+            </a:ext>
+          </a:extLst>
+        </p:spPr>
+      </p:pic>
+    </p:spTree>
+    <p:extLst>
+      <p:ext uri="{BB962C8B-B14F-4D97-AF65-F5344CB8AC3E}">
+        <p14:creationId xmlns:p14="http://schemas.microsoft.com/office/powerpoint/2010/main" val="967588900"/>
+      </p:ext>
+    </p:extLst>
+  </p:cSld>
+  <p:clrMapOvr>
+    <a:masterClrMapping/>
+  </p:clrMapOvr>
+</p:sld>
+</file>
+
+<file path=ppt/slides/slide5.xml><?xml version="1.0" encoding="utf-8"?>
+<p:sld xmlns:a="http://schemas.openxmlformats.org/drawingml/2006/main" xmlns:r="http://schemas.openxmlformats.org/officeDocument/2006/relationships" xmlns:p="http://schemas.openxmlformats.org/presentationml/2006/main">
+  <p:cSld>
+    <p:spTree>
+      <p:nvGrpSpPr>
+        <p:cNvPr id="1" name=""/>
+        <p:cNvGrpSpPr/>
+        <p:nvPr/>
+      </p:nvGrpSpPr>
+      <p:grpSpPr>
+        <a:xfrm>
+          <a:off x="0" y="0"/>
+          <a:ext cx="0" cy="0"/>
+          <a:chOff x="0" y="0"/>
+          <a:chExt cx="0" cy="0"/>
+        </a:xfrm>
+      </p:grpSpPr>
+      <p:sp>
+        <p:nvSpPr>
+          <p:cNvPr id="2" name="Title 1"/>
+          <p:cNvSpPr>
+            <a:spLocks noGrp="1"/>
+          </p:cNvSpPr>
+          <p:nvPr>
+            <p:ph type="title"/>
+          </p:nvPr>
+        </p:nvSpPr>
+        <p:spPr/>
+        <p:txBody>
+          <a:bodyPr/>
+          <a:lstStyle/>
+          <a:p>
+            <a:endParaRPr lang="en-IN"/>
+          </a:p>
+        </p:txBody>
+      </p:sp>
+      <p:sp>
+        <p:nvSpPr>
+          <p:cNvPr id="3" name="Content Placeholder 2"/>
+          <p:cNvSpPr>
+            <a:spLocks noGrp="1"/>
+          </p:cNvSpPr>
+          <p:nvPr>
+            <p:ph idx="1"/>
+          </p:nvPr>
+        </p:nvSpPr>
+        <p:spPr/>
+        <p:txBody>
+          <a:bodyPr/>
+          <a:lstStyle/>
+          <a:p>
+            <a:endParaRPr lang="en-IN"/>
+          </a:p>
+        </p:txBody>
+      </p:sp>
+    </p:spTree>
+    <p:extLst>
+      <p:ext uri="{BB962C8B-B14F-4D97-AF65-F5344CB8AC3E}">
+        <p14:creationId xmlns:p14="http://schemas.microsoft.com/office/powerpoint/2010/main" val="1777944341"/>
+      </p:ext>
+    </p:extLst>
+  </p:cSld>
+  <p:clrMapOvr>
+    <a:masterClrMapping/>
+  </p:clrMapOvr>
+</p:sld>
+</file>
+
 <file path=ppt/theme/theme1.xml><?xml version="1.0" encoding="utf-8"?>
 <a:theme xmlns:a="http://schemas.openxmlformats.org/drawingml/2006/main" name="Office Theme">
   <a:themeElements>
